--- a/slides/Sprint2-meeting-pool.pptx
+++ b/slides/Sprint2-meeting-pool.pptx
@@ -130,6 +130,7 @@
     <p1510:client id="{2CB12505-CDD3-4ABA-949D-F78731FC9BF7}" v="145" dt="2022-08-25T20:22:32.552"/>
     <p1510:client id="{47034192-7754-B6C1-452A-3C21F9F65AA0}" v="446" dt="2022-08-25T22:41:48.030"/>
     <p1510:client id="{D554E020-EE3A-B057-9D46-4961916A83CE}" v="497" dt="2022-09-15T21:57:58.972"/>
+    <p1510:client id="{DCAEDDF9-9064-3A85-FB6E-663B54CF33F6}" v="12" dt="2022-09-15T23:09:17.983"/>
   </p1510:revLst>
 </p1510:revInfo>
 </file>
@@ -10433,7 +10434,7 @@
         </p:nvSpPr>
         <p:spPr>
           <a:xfrm>
-            <a:off x="492370" y="516835"/>
+            <a:off x="1211238" y="559967"/>
             <a:ext cx="3084844" cy="2103875"/>
           </a:xfrm>
         </p:spPr>
@@ -10444,7 +10445,7 @@
           <a:lstStyle/>
           <a:p>
             <a:r>
-              <a:rPr lang="pt-BR" sz="4000" dirty="0">
+              <a:rPr lang="pt-BR" sz="4400" dirty="0">
                 <a:solidFill>
                   <a:srgbClr val="FFFFFF"/>
                 </a:solidFill>
@@ -10452,7 +10453,7 @@
               </a:rPr>
               <a:t>HOME</a:t>
             </a:r>
-            <a:endParaRPr lang="pt-BR" sz="4000" dirty="0">
+            <a:endParaRPr lang="pt-BR" sz="4400" dirty="0">
               <a:solidFill>
                 <a:srgbClr val="FFFFFF"/>
               </a:solidFill>
@@ -10597,6 +10598,14 @@
 <file path=ppt/slides/slide12.xml><?xml version="1.0" encoding="utf-8"?>
 <p:sld xmlns:a="http://schemas.openxmlformats.org/drawingml/2006/main" xmlns:r="http://schemas.openxmlformats.org/officeDocument/2006/relationships" xmlns:p="http://schemas.openxmlformats.org/presentationml/2006/main">
   <p:cSld>
+    <p:bg>
+      <p:bgPr>
+        <a:solidFill>
+          <a:schemeClr val="bg2"/>
+        </a:solidFill>
+        <a:effectLst/>
+      </p:bgPr>
+    </p:bg>
     <p:spTree>
       <p:nvGrpSpPr>
         <p:cNvPr id="1" name=""/>
@@ -10613,6 +10622,233 @@
       </p:grpSpPr>
       <p:sp>
         <p:nvSpPr>
+          <p:cNvPr id="24" name="Rectangle 8">
+            <a:extLst>
+              <a:ext uri="{FF2B5EF4-FFF2-40B4-BE49-F238E27FC236}">
+                <a16:creationId xmlns:a16="http://schemas.microsoft.com/office/drawing/2014/main" id="{BD401F6B-8430-4392-A9C1-E7AF1A47D276}"/>
+              </a:ext>
+              <a:ext uri="{C183D7F6-B498-43B3-948B-1728B52AA6E4}">
+                <adec:decorative xmlns:adec="http://schemas.microsoft.com/office/drawing/2017/decorative" val="1"/>
+              </a:ext>
+            </a:extLst>
+          </p:cNvPr>
+          <p:cNvSpPr>
+            <a:spLocks noGrp="1" noRot="1" noChangeAspect="1" noMove="1" noResize="1" noEditPoints="1" noAdjustHandles="1" noChangeArrowheads="1" noChangeShapeType="1" noTextEdit="1"/>
+          </p:cNvSpPr>
+          <p:nvPr>
+            <p:extLst>
+              <p:ext uri="{386F3935-93C4-4BCD-93E2-E3B085C9AB24}">
+                <p16:designElem xmlns:p16="http://schemas.microsoft.com/office/powerpoint/2015/main" val="1"/>
+              </p:ext>
+            </p:extLst>
+          </p:nvPr>
+        </p:nvSpPr>
+        <p:spPr>
+          <a:xfrm>
+            <a:off x="3175" y="6400800"/>
+            <a:ext cx="12188825" cy="457200"/>
+          </a:xfrm>
+          <a:prstGeom prst="rect">
+            <a:avLst/>
+          </a:prstGeom>
+          <a:solidFill>
+            <a:schemeClr val="accent4">
+              <a:lumMod val="75000"/>
+            </a:schemeClr>
+          </a:solidFill>
+          <a:ln>
+            <a:noFill/>
+          </a:ln>
+        </p:spPr>
+        <p:style>
+          <a:lnRef idx="2">
+            <a:schemeClr val="accent1">
+              <a:shade val="50000"/>
+            </a:schemeClr>
+          </a:lnRef>
+          <a:fillRef idx="1">
+            <a:schemeClr val="accent1"/>
+          </a:fillRef>
+          <a:effectRef idx="0">
+            <a:schemeClr val="accent1"/>
+          </a:effectRef>
+          <a:fontRef idx="minor">
+            <a:schemeClr val="lt1"/>
+          </a:fontRef>
+        </p:style>
+      </p:sp>
+      <p:sp>
+        <p:nvSpPr>
+          <p:cNvPr id="25" name="Rectangle 10">
+            <a:extLst>
+              <a:ext uri="{FF2B5EF4-FFF2-40B4-BE49-F238E27FC236}">
+                <a16:creationId xmlns:a16="http://schemas.microsoft.com/office/drawing/2014/main" id="{1EF4CA56-5E10-46FC-B8C0-89FC75EA4AA4}"/>
+              </a:ext>
+              <a:ext uri="{C183D7F6-B498-43B3-948B-1728B52AA6E4}">
+                <adec:decorative xmlns:adec="http://schemas.microsoft.com/office/drawing/2017/decorative" val="1"/>
+              </a:ext>
+            </a:extLst>
+          </p:cNvPr>
+          <p:cNvSpPr>
+            <a:spLocks noGrp="1" noRot="1" noChangeAspect="1" noMove="1" noResize="1" noEditPoints="1" noAdjustHandles="1" noChangeArrowheads="1" noChangeShapeType="1" noTextEdit="1"/>
+          </p:cNvSpPr>
+          <p:nvPr>
+            <p:extLst>
+              <p:ext uri="{386F3935-93C4-4BCD-93E2-E3B085C9AB24}">
+                <p16:designElem xmlns:p16="http://schemas.microsoft.com/office/powerpoint/2015/main" val="1"/>
+              </p:ext>
+            </p:extLst>
+          </p:nvPr>
+        </p:nvSpPr>
+        <p:spPr>
+          <a:xfrm>
+            <a:off x="15" y="6334316"/>
+            <a:ext cx="12188825" cy="64008"/>
+          </a:xfrm>
+          <a:prstGeom prst="rect">
+            <a:avLst/>
+          </a:prstGeom>
+          <a:solidFill>
+            <a:schemeClr val="accent4"/>
+          </a:solidFill>
+          <a:ln>
+            <a:noFill/>
+          </a:ln>
+        </p:spPr>
+        <p:style>
+          <a:lnRef idx="2">
+            <a:schemeClr val="accent1">
+              <a:shade val="50000"/>
+            </a:schemeClr>
+          </a:lnRef>
+          <a:fillRef idx="1">
+            <a:schemeClr val="accent1"/>
+          </a:fillRef>
+          <a:effectRef idx="0">
+            <a:schemeClr val="accent1"/>
+          </a:effectRef>
+          <a:fontRef idx="minor">
+            <a:schemeClr val="lt1"/>
+          </a:fontRef>
+        </p:style>
+      </p:sp>
+      <p:cxnSp>
+        <p:nvCxnSpPr>
+          <p:cNvPr id="26" name="Straight Connector 12">
+            <a:extLst>
+              <a:ext uri="{FF2B5EF4-FFF2-40B4-BE49-F238E27FC236}">
+                <a16:creationId xmlns:a16="http://schemas.microsoft.com/office/drawing/2014/main" id="{6DDF8255-E454-48AF-9A12-E4291F413A60}"/>
+              </a:ext>
+              <a:ext uri="{C183D7F6-B498-43B3-948B-1728B52AA6E4}">
+                <adec:decorative xmlns:adec="http://schemas.microsoft.com/office/drawing/2017/decorative" val="1"/>
+              </a:ext>
+            </a:extLst>
+          </p:cNvPr>
+          <p:cNvCxnSpPr>
+            <a:cxnSpLocks noGrp="1" noRot="1" noChangeAspect="1" noMove="1" noResize="1" noEditPoints="1" noAdjustHandles="1" noChangeArrowheads="1" noChangeShapeType="1"/>
+          </p:cNvCxnSpPr>
+          <p:nvPr>
+            <p:extLst>
+              <p:ext uri="{386F3935-93C4-4BCD-93E2-E3B085C9AB24}">
+                <p16:designElem xmlns:p16="http://schemas.microsoft.com/office/powerpoint/2015/main" val="1"/>
+              </p:ext>
+            </p:extLst>
+          </p:nvPr>
+        </p:nvCxnSpPr>
+        <p:spPr>
+          <a:xfrm>
+            <a:off x="1207658" y="4343400"/>
+            <a:ext cx="9875520" cy="0"/>
+          </a:xfrm>
+          <a:prstGeom prst="line">
+            <a:avLst/>
+          </a:prstGeom>
+          <a:ln w="6350">
+            <a:solidFill>
+              <a:schemeClr val="tx1">
+                <a:lumMod val="50000"/>
+                <a:lumOff val="50000"/>
+              </a:schemeClr>
+            </a:solidFill>
+          </a:ln>
+        </p:spPr>
+        <p:style>
+          <a:lnRef idx="1">
+            <a:schemeClr val="accent1"/>
+          </a:lnRef>
+          <a:fillRef idx="0">
+            <a:schemeClr val="accent1"/>
+          </a:fillRef>
+          <a:effectRef idx="0">
+            <a:schemeClr val="accent1"/>
+          </a:effectRef>
+          <a:fontRef idx="minor">
+            <a:schemeClr val="tx1"/>
+          </a:fontRef>
+        </p:style>
+      </p:cxnSp>
+      <p:sp useBgFill="1">
+        <p:nvSpPr>
+          <p:cNvPr id="27" name="Rectangle 14">
+            <a:extLst>
+              <a:ext uri="{FF2B5EF4-FFF2-40B4-BE49-F238E27FC236}">
+                <a16:creationId xmlns:a16="http://schemas.microsoft.com/office/drawing/2014/main" id="{1D1EAA85-C9C8-4F7A-A070-2E277096AC04}"/>
+              </a:ext>
+              <a:ext uri="{C183D7F6-B498-43B3-948B-1728B52AA6E4}">
+                <adec:decorative xmlns:adec="http://schemas.microsoft.com/office/drawing/2017/decorative" val="1"/>
+              </a:ext>
+            </a:extLst>
+          </p:cNvPr>
+          <p:cNvSpPr>
+            <a:spLocks noGrp="1" noRot="1" noChangeAspect="1" noMove="1" noResize="1" noEditPoints="1" noAdjustHandles="1" noChangeArrowheads="1" noChangeShapeType="1" noTextEdit="1"/>
+          </p:cNvSpPr>
+          <p:nvPr>
+            <p:extLst>
+              <p:ext uri="{386F3935-93C4-4BCD-93E2-E3B085C9AB24}">
+                <p16:designElem xmlns:p16="http://schemas.microsoft.com/office/powerpoint/2015/main" val="1"/>
+              </p:ext>
+            </p:extLst>
+          </p:nvPr>
+        </p:nvSpPr>
+        <p:spPr>
+          <a:xfrm>
+            <a:off x="0" y="0"/>
+            <a:ext cx="12192001" cy="6334316"/>
+          </a:xfrm>
+          <a:prstGeom prst="rect">
+            <a:avLst/>
+          </a:prstGeom>
+          <a:ln>
+            <a:noFill/>
+          </a:ln>
+        </p:spPr>
+        <p:style>
+          <a:lnRef idx="2">
+            <a:schemeClr val="accent1">
+              <a:shade val="50000"/>
+            </a:schemeClr>
+          </a:lnRef>
+          <a:fillRef idx="1">
+            <a:schemeClr val="accent1"/>
+          </a:fillRef>
+          <a:effectRef idx="0">
+            <a:schemeClr val="accent1"/>
+          </a:effectRef>
+          <a:fontRef idx="minor">
+            <a:schemeClr val="lt1"/>
+          </a:fontRef>
+        </p:style>
+        <p:txBody>
+          <a:bodyPr rtlCol="0" anchor="ctr"/>
+          <a:lstStyle/>
+          <a:p>
+            <a:pPr algn="ctr"/>
+            <a:endParaRPr lang="en-US"/>
+          </a:p>
+        </p:txBody>
+      </p:sp>
+      <p:sp>
+        <p:nvSpPr>
           <p:cNvPr id="2" name="Título 1">
             <a:extLst>
               <a:ext uri="{FF2B5EF4-FFF2-40B4-BE49-F238E27FC236}">
@@ -10627,12 +10863,132 @@
             <p:ph type="title"/>
           </p:nvPr>
         </p:nvSpPr>
-        <p:spPr/>
+        <p:spPr>
+          <a:xfrm>
+            <a:off x="633999" y="4550229"/>
+            <a:ext cx="10909073" cy="1057655"/>
+          </a:xfrm>
+        </p:spPr>
         <p:txBody>
-          <a:bodyPr/>
+          <a:bodyPr vert="horz" lIns="91440" tIns="45720" rIns="91440" bIns="45720" rtlCol="0" anchor="b">
+            <a:normAutofit/>
+          </a:bodyPr>
           <a:lstStyle/>
           <a:p>
-            <a:endParaRPr lang="pt-BR"/>
+            <a:r>
+              <a:rPr lang="en-US" sz="6000" dirty="0">
+                <a:solidFill>
+                  <a:schemeClr val="tx1">
+                    <a:lumMod val="85000"/>
+                    <a:lumOff val="15000"/>
+                  </a:schemeClr>
+                </a:solidFill>
+                <a:ea typeface="Calibri Light"/>
+                <a:cs typeface="Calibri Light"/>
+              </a:rPr>
+              <a:t>AGENDA</a:t>
+            </a:r>
+            <a:endParaRPr lang="en-US" sz="6000" dirty="0">
+              <a:solidFill>
+                <a:schemeClr val="tx1">
+                  <a:lumMod val="85000"/>
+                  <a:lumOff val="15000"/>
+                </a:schemeClr>
+              </a:solidFill>
+            </a:endParaRPr>
+          </a:p>
+        </p:txBody>
+      </p:sp>
+      <p:pic>
+        <p:nvPicPr>
+          <p:cNvPr id="3" name="Imagem 4" descr="Interface gráfica do usuário, Aplicativo, Teams&#10;&#10;Descrição gerada automaticamente">
+            <a:extLst>
+              <a:ext uri="{FF2B5EF4-FFF2-40B4-BE49-F238E27FC236}">
+                <a16:creationId xmlns:a16="http://schemas.microsoft.com/office/drawing/2014/main" id="{2FC94038-D0A5-34D9-FACC-54516F888642}"/>
+              </a:ext>
+            </a:extLst>
+          </p:cNvPr>
+          <p:cNvPicPr>
+            <a:picLocks noChangeAspect="1"/>
+          </p:cNvPicPr>
+          <p:nvPr/>
+        </p:nvPicPr>
+        <p:blipFill>
+          <a:blip r:embed="rId2"/>
+          <a:stretch>
+            <a:fillRect/>
+          </a:stretch>
+        </p:blipFill>
+        <p:spPr>
+          <a:xfrm>
+            <a:off x="635457" y="1216266"/>
+            <a:ext cx="5131653" cy="2450364"/>
+          </a:xfrm>
+          <a:prstGeom prst="rect">
+            <a:avLst/>
+          </a:prstGeom>
+        </p:spPr>
+      </p:pic>
+      <p:sp>
+        <p:nvSpPr>
+          <p:cNvPr id="28" name="Rectangle 16">
+            <a:extLst>
+              <a:ext uri="{FF2B5EF4-FFF2-40B4-BE49-F238E27FC236}">
+                <a16:creationId xmlns:a16="http://schemas.microsoft.com/office/drawing/2014/main" id="{D893D02E-69A7-40EF-BDED-47B5021068FB}"/>
+              </a:ext>
+              <a:ext uri="{C183D7F6-B498-43B3-948B-1728B52AA6E4}">
+                <adec:decorative xmlns:adec="http://schemas.microsoft.com/office/drawing/2017/decorative" val="1"/>
+              </a:ext>
+            </a:extLst>
+          </p:cNvPr>
+          <p:cNvSpPr>
+            <a:spLocks noGrp="1" noRot="1" noChangeAspect="1" noMove="1" noResize="1" noEditPoints="1" noAdjustHandles="1" noChangeArrowheads="1" noChangeShapeType="1" noTextEdit="1"/>
+          </p:cNvSpPr>
+          <p:nvPr>
+            <p:extLst>
+              <p:ext uri="{386F3935-93C4-4BCD-93E2-E3B085C9AB24}">
+                <p16:designElem xmlns:p16="http://schemas.microsoft.com/office/powerpoint/2015/main" val="1"/>
+              </p:ext>
+            </p:extLst>
+          </p:nvPr>
+        </p:nvSpPr>
+        <p:spPr>
+          <a:xfrm>
+            <a:off x="6063996" y="886968"/>
+            <a:ext cx="64008" cy="3108960"/>
+          </a:xfrm>
+          <a:prstGeom prst="rect">
+            <a:avLst/>
+          </a:prstGeom>
+          <a:solidFill>
+            <a:schemeClr val="accent4"/>
+          </a:solidFill>
+          <a:ln>
+            <a:noFill/>
+          </a:ln>
+        </p:spPr>
+        <p:style>
+          <a:lnRef idx="2">
+            <a:schemeClr val="accent1">
+              <a:shade val="50000"/>
+            </a:schemeClr>
+          </a:lnRef>
+          <a:fillRef idx="1">
+            <a:schemeClr val="accent1"/>
+          </a:fillRef>
+          <a:effectRef idx="0">
+            <a:schemeClr val="accent1"/>
+          </a:effectRef>
+          <a:fontRef idx="minor">
+            <a:schemeClr val="lt1"/>
+          </a:fontRef>
+        </p:style>
+        <p:txBody>
+          <a:bodyPr rtlCol="0" anchor="ctr"/>
+          <a:lstStyle/>
+          <a:p>
+            <a:pPr algn="ctr"/>
+            <a:endParaRPr lang="en-US"/>
           </a:p>
         </p:txBody>
       </p:sp>
@@ -10653,18 +11009,187 @@
           </p:nvPr>
         </p:nvPicPr>
         <p:blipFill>
-          <a:blip r:embed="rId2"/>
+          <a:blip r:embed="rId3"/>
           <a:stretch>
             <a:fillRect/>
           </a:stretch>
         </p:blipFill>
         <p:spPr>
           <a:xfrm>
-            <a:off x="510411" y="523017"/>
-            <a:ext cx="11174630" cy="5346076"/>
+            <a:off x="6424891" y="1219482"/>
+            <a:ext cx="5118182" cy="2443931"/>
           </a:xfrm>
+          <a:prstGeom prst="rect">
+            <a:avLst/>
+          </a:prstGeom>
         </p:spPr>
       </p:pic>
+      <p:cxnSp>
+        <p:nvCxnSpPr>
+          <p:cNvPr id="29" name="Straight Connector 18">
+            <a:extLst>
+              <a:ext uri="{FF2B5EF4-FFF2-40B4-BE49-F238E27FC236}">
+                <a16:creationId xmlns:a16="http://schemas.microsoft.com/office/drawing/2014/main" id="{4533E1D9-B151-4746-926D-23491CB6E5CE}"/>
+              </a:ext>
+              <a:ext uri="{C183D7F6-B498-43B3-948B-1728B52AA6E4}">
+                <adec:decorative xmlns:adec="http://schemas.microsoft.com/office/drawing/2017/decorative" val="1"/>
+              </a:ext>
+            </a:extLst>
+          </p:cNvPr>
+          <p:cNvCxnSpPr>
+            <a:cxnSpLocks noGrp="1" noRot="1" noChangeAspect="1" noMove="1" noResize="1" noEditPoints="1" noAdjustHandles="1" noChangeArrowheads="1" noChangeShapeType="1"/>
+          </p:cNvCxnSpPr>
+          <p:nvPr>
+            <p:extLst>
+              <p:ext uri="{386F3935-93C4-4BCD-93E2-E3B085C9AB24}">
+                <p16:designElem xmlns:p16="http://schemas.microsoft.com/office/powerpoint/2015/main" val="1"/>
+              </p:ext>
+            </p:extLst>
+          </p:nvPr>
+        </p:nvCxnSpPr>
+        <p:spPr>
+          <a:xfrm>
+            <a:off x="721086" y="5618770"/>
+            <a:ext cx="10515600" cy="0"/>
+          </a:xfrm>
+          <a:prstGeom prst="line">
+            <a:avLst/>
+          </a:prstGeom>
+          <a:ln w="6350">
+            <a:solidFill>
+              <a:schemeClr val="tx2">
+                <a:alpha val="90000"/>
+              </a:schemeClr>
+            </a:solidFill>
+          </a:ln>
+        </p:spPr>
+        <p:style>
+          <a:lnRef idx="1">
+            <a:schemeClr val="accent1"/>
+          </a:lnRef>
+          <a:fillRef idx="0">
+            <a:schemeClr val="accent1"/>
+          </a:fillRef>
+          <a:effectRef idx="0">
+            <a:schemeClr val="accent1"/>
+          </a:effectRef>
+          <a:fontRef idx="minor">
+            <a:schemeClr val="tx1"/>
+          </a:fontRef>
+        </p:style>
+      </p:cxnSp>
+      <p:sp>
+        <p:nvSpPr>
+          <p:cNvPr id="30" name="Rectangle 20">
+            <a:extLst>
+              <a:ext uri="{FF2B5EF4-FFF2-40B4-BE49-F238E27FC236}">
+                <a16:creationId xmlns:a16="http://schemas.microsoft.com/office/drawing/2014/main" id="{018A11AE-068C-4AC3-A768-21262FAE5270}"/>
+              </a:ext>
+              <a:ext uri="{C183D7F6-B498-43B3-948B-1728B52AA6E4}">
+                <adec:decorative xmlns:adec="http://schemas.microsoft.com/office/drawing/2017/decorative" val="1"/>
+              </a:ext>
+            </a:extLst>
+          </p:cNvPr>
+          <p:cNvSpPr>
+            <a:spLocks noGrp="1" noRot="1" noChangeAspect="1" noMove="1" noResize="1" noEditPoints="1" noAdjustHandles="1" noChangeArrowheads="1" noChangeShapeType="1" noTextEdit="1"/>
+          </p:cNvSpPr>
+          <p:nvPr>
+            <p:extLst>
+              <p:ext uri="{386F3935-93C4-4BCD-93E2-E3B085C9AB24}">
+                <p16:designElem xmlns:p16="http://schemas.microsoft.com/office/powerpoint/2015/main" val="1"/>
+              </p:ext>
+            </p:extLst>
+          </p:nvPr>
+        </p:nvSpPr>
+        <p:spPr>
+          <a:xfrm>
+            <a:off x="15" y="6334316"/>
+            <a:ext cx="12191985" cy="66484"/>
+          </a:xfrm>
+          <a:prstGeom prst="rect">
+            <a:avLst/>
+          </a:prstGeom>
+          <a:solidFill>
+            <a:schemeClr val="accent4"/>
+          </a:solidFill>
+          <a:ln>
+            <a:noFill/>
+          </a:ln>
+        </p:spPr>
+        <p:style>
+          <a:lnRef idx="2">
+            <a:schemeClr val="accent1">
+              <a:shade val="50000"/>
+            </a:schemeClr>
+          </a:lnRef>
+          <a:fillRef idx="1">
+            <a:schemeClr val="accent1"/>
+          </a:fillRef>
+          <a:effectRef idx="0">
+            <a:schemeClr val="accent1"/>
+          </a:effectRef>
+          <a:fontRef idx="minor">
+            <a:schemeClr val="lt1"/>
+          </a:fontRef>
+        </p:style>
+      </p:sp>
+      <p:sp>
+        <p:nvSpPr>
+          <p:cNvPr id="23" name="Rectangle 22">
+            <a:extLst>
+              <a:ext uri="{FF2B5EF4-FFF2-40B4-BE49-F238E27FC236}">
+                <a16:creationId xmlns:a16="http://schemas.microsoft.com/office/drawing/2014/main" id="{F91633FC-7B70-4FFC-8242-49BA7AC14678}"/>
+              </a:ext>
+              <a:ext uri="{C183D7F6-B498-43B3-948B-1728B52AA6E4}">
+                <adec:decorative xmlns:adec="http://schemas.microsoft.com/office/drawing/2017/decorative" val="1"/>
+              </a:ext>
+            </a:extLst>
+          </p:cNvPr>
+          <p:cNvSpPr>
+            <a:spLocks noGrp="1" noRot="1" noChangeAspect="1" noMove="1" noResize="1" noEditPoints="1" noAdjustHandles="1" noChangeArrowheads="1" noChangeShapeType="1" noTextEdit="1"/>
+          </p:cNvSpPr>
+          <p:nvPr>
+            <p:extLst>
+              <p:ext uri="{386F3935-93C4-4BCD-93E2-E3B085C9AB24}">
+                <p16:designElem xmlns:p16="http://schemas.microsoft.com/office/powerpoint/2015/main" val="1"/>
+              </p:ext>
+            </p:extLst>
+          </p:nvPr>
+        </p:nvSpPr>
+        <p:spPr>
+          <a:xfrm>
+            <a:off x="1" y="6400800"/>
+            <a:ext cx="12192000" cy="457200"/>
+          </a:xfrm>
+          <a:prstGeom prst="rect">
+            <a:avLst/>
+          </a:prstGeom>
+          <a:solidFill>
+            <a:schemeClr val="accent4">
+              <a:lumMod val="75000"/>
+            </a:schemeClr>
+          </a:solidFill>
+          <a:ln>
+            <a:noFill/>
+          </a:ln>
+        </p:spPr>
+        <p:style>
+          <a:lnRef idx="2">
+            <a:schemeClr val="accent1">
+              <a:shade val="50000"/>
+            </a:schemeClr>
+          </a:lnRef>
+          <a:fillRef idx="1">
+            <a:schemeClr val="accent1"/>
+          </a:fillRef>
+          <a:effectRef idx="0">
+            <a:schemeClr val="accent1"/>
+          </a:effectRef>
+          <a:fontRef idx="minor">
+            <a:schemeClr val="lt1"/>
+          </a:fontRef>
+        </p:style>
+      </p:sp>
     </p:spTree>
     <p:extLst>
       <p:ext uri="{BB962C8B-B14F-4D97-AF65-F5344CB8AC3E}">
